--- a/UAVSAR LITE_Sprint5.pptx
+++ b/UAVSAR LITE_Sprint5.pptx
@@ -125,7 +125,18 @@
   </p:defaultTextStyle>
   <p:extLst>
     <p:ext uri="{EFAFB233-063F-42B5-8137-9DF3F51BA10A}">
-      <p15:sldGuideLst xmlns="" xmlns:p15="http://schemas.microsoft.com/office/powerpoint/2012/main"/>
+      <p15:sldGuideLst xmlns:p15="http://schemas.microsoft.com/office/powerpoint/2012/main">
+        <p15:guide id="1" orient="horz" pos="2160">
+          <p15:clr>
+            <a:srgbClr val="A4A3A4"/>
+          </p15:clr>
+        </p15:guide>
+        <p15:guide id="2" pos="3840">
+          <p15:clr>
+            <a:srgbClr val="A4A3A4"/>
+          </p15:clr>
+        </p15:guide>
+      </p15:sldGuideLst>
     </p:ext>
   </p:extLst>
 </p:presentation>
@@ -212,7 +223,7 @@
           </a:lstStyle>
           <a:p>
             <a:r>
-              <a:rPr lang="en-US" smtClean="0"/>
+              <a:rPr lang="en-US"/>
               <a:t>Click to edit Master title style</a:t>
             </a:r>
             <a:endParaRPr lang="en-US" dirty="0"/>
@@ -331,7 +342,7 @@
           </a:lstStyle>
           <a:p>
             <a:r>
-              <a:rPr lang="en-US" smtClean="0"/>
+              <a:rPr lang="en-US"/>
               <a:t>Click to edit Master subtitle style</a:t>
             </a:r>
             <a:endParaRPr lang="en-US" dirty="0"/>
@@ -360,7 +371,7 @@
           <a:p>
             <a:fld id="{1B35694F-4D0F-434D-B2B9-390E8EC1C760}" type="datetimeFigureOut">
               <a:rPr lang="en-US" smtClean="0"/>
-              <a:t>12/4/2020</a:t>
+              <a:t>4/25/2021</a:t>
             </a:fld>
             <a:endParaRPr lang="en-US"/>
           </a:p>
@@ -505,7 +516,7 @@
           </a:lstStyle>
           <a:p>
             <a:r>
-              <a:rPr lang="en-US" smtClean="0"/>
+              <a:rPr lang="en-US"/>
               <a:t>Click to edit Master title style</a:t>
             </a:r>
             <a:endParaRPr lang="en-US" dirty="0"/>
@@ -603,7 +614,7 @@
           </a:lstStyle>
           <a:p>
             <a:r>
-              <a:rPr lang="en-US" smtClean="0"/>
+              <a:rPr lang="en-US"/>
               <a:t>Click icon to add picture</a:t>
             </a:r>
             <a:endParaRPr lang="en-US" dirty="0"/>
@@ -671,7 +682,7 @@
           <a:p>
             <a:pPr lvl="0"/>
             <a:r>
-              <a:rPr lang="en-US" smtClean="0"/>
+              <a:rPr lang="en-US"/>
               <a:t>Click to edit Master text styles</a:t>
             </a:r>
           </a:p>
@@ -694,7 +705,7 @@
           <a:p>
             <a:fld id="{1B35694F-4D0F-434D-B2B9-390E8EC1C760}" type="datetimeFigureOut">
               <a:rPr lang="en-US" smtClean="0"/>
-              <a:t>12/4/2020</a:t>
+              <a:t>4/25/2021</a:t>
             </a:fld>
             <a:endParaRPr lang="en-US"/>
           </a:p>
@@ -829,7 +840,7 @@
           </a:lstStyle>
           <a:p>
             <a:r>
-              <a:rPr lang="en-US" smtClean="0"/>
+              <a:rPr lang="en-US"/>
               <a:t>Click to edit Master title style</a:t>
             </a:r>
             <a:endParaRPr lang="en-US" dirty="0"/>
@@ -949,7 +960,7 @@
           <a:p>
             <a:pPr lvl="0"/>
             <a:r>
-              <a:rPr lang="en-US" smtClean="0"/>
+              <a:rPr lang="en-US"/>
               <a:t>Click to edit Master text styles</a:t>
             </a:r>
           </a:p>
@@ -972,7 +983,7 @@
           <a:p>
             <a:fld id="{1B35694F-4D0F-434D-B2B9-390E8EC1C760}" type="datetimeFigureOut">
               <a:rPr lang="en-US" smtClean="0"/>
-              <a:t>12/4/2020</a:t>
+              <a:t>4/25/2021</a:t>
             </a:fld>
             <a:endParaRPr lang="en-US"/>
           </a:p>
@@ -1343,7 +1354,7 @@
           </a:lstStyle>
           <a:p>
             <a:r>
-              <a:rPr lang="en-US" smtClean="0"/>
+              <a:rPr lang="en-US"/>
               <a:t>Click to edit Master title style</a:t>
             </a:r>
             <a:endParaRPr lang="en-US" dirty="0"/>
@@ -1398,7 +1409,7 @@
           <a:p>
             <a:pPr lvl="0"/>
             <a:r>
-              <a:rPr lang="en-US" smtClean="0"/>
+              <a:rPr lang="en-US"/>
               <a:t>Click to edit Master text styles</a:t>
             </a:r>
           </a:p>
@@ -1517,7 +1528,7 @@
           <a:p>
             <a:pPr lvl="0"/>
             <a:r>
-              <a:rPr lang="en-US" smtClean="0"/>
+              <a:rPr lang="en-US"/>
               <a:t>Click to edit Master text styles</a:t>
             </a:r>
           </a:p>
@@ -1540,7 +1551,7 @@
           <a:p>
             <a:fld id="{1B35694F-4D0F-434D-B2B9-390E8EC1C760}" type="datetimeFigureOut">
               <a:rPr lang="en-US" smtClean="0"/>
-              <a:t>12/4/2020</a:t>
+              <a:t>4/25/2021</a:t>
             </a:fld>
             <a:endParaRPr lang="en-US"/>
           </a:p>
@@ -1675,7 +1686,7 @@
           </a:lstStyle>
           <a:p>
             <a:r>
-              <a:rPr lang="en-US" smtClean="0"/>
+              <a:rPr lang="en-US"/>
               <a:t>Click to edit Master title style</a:t>
             </a:r>
             <a:endParaRPr lang="en-US" dirty="0"/>
@@ -1795,7 +1806,7 @@
           <a:p>
             <a:pPr lvl="0"/>
             <a:r>
-              <a:rPr lang="en-US" smtClean="0"/>
+              <a:rPr lang="en-US"/>
               <a:t>Click to edit Master text styles</a:t>
             </a:r>
           </a:p>
@@ -1818,7 +1829,7 @@
           <a:p>
             <a:fld id="{1B35694F-4D0F-434D-B2B9-390E8EC1C760}" type="datetimeFigureOut">
               <a:rPr lang="en-US" smtClean="0"/>
-              <a:t>12/4/2020</a:t>
+              <a:t>4/25/2021</a:t>
             </a:fld>
             <a:endParaRPr lang="en-US"/>
           </a:p>
@@ -2189,7 +2200,7 @@
           </a:lstStyle>
           <a:p>
             <a:r>
-              <a:rPr lang="en-US" smtClean="0"/>
+              <a:rPr lang="en-US"/>
               <a:t>Click to edit Master title style</a:t>
             </a:r>
             <a:endParaRPr lang="en-US" dirty="0"/>
@@ -2238,7 +2249,7 @@
               <a:buNone/>
             </a:pPr>
             <a:r>
-              <a:rPr lang="en-US" smtClean="0"/>
+              <a:rPr lang="en-US"/>
               <a:t>Click to edit Master text styles</a:t>
             </a:r>
           </a:p>
@@ -2357,7 +2368,7 @@
           <a:p>
             <a:pPr lvl="0"/>
             <a:r>
-              <a:rPr lang="en-US" smtClean="0"/>
+              <a:rPr lang="en-US"/>
               <a:t>Click to edit Master text styles</a:t>
             </a:r>
           </a:p>
@@ -2380,7 +2391,7 @@
           <a:p>
             <a:fld id="{1B35694F-4D0F-434D-B2B9-390E8EC1C760}" type="datetimeFigureOut">
               <a:rPr lang="en-US" smtClean="0"/>
-              <a:t>12/4/2020</a:t>
+              <a:t>4/25/2021</a:t>
             </a:fld>
             <a:endParaRPr lang="en-US"/>
           </a:p>
@@ -2516,7 +2527,7 @@
           <a:p>
             <a:pPr marL="0" lvl="0"/>
             <a:r>
-              <a:rPr lang="en-US" smtClean="0"/>
+              <a:rPr lang="en-US"/>
               <a:t>Click to edit Master title style</a:t>
             </a:r>
             <a:endParaRPr lang="en-US" dirty="0"/>
@@ -2565,7 +2576,7 @@
               <a:buNone/>
             </a:pPr>
             <a:r>
-              <a:rPr lang="en-US" smtClean="0"/>
+              <a:rPr lang="en-US"/>
               <a:t>Click to edit Master text styles</a:t>
             </a:r>
           </a:p>
@@ -2684,7 +2695,7 @@
           <a:p>
             <a:pPr lvl="0"/>
             <a:r>
-              <a:rPr lang="en-US" smtClean="0"/>
+              <a:rPr lang="en-US"/>
               <a:t>Click to edit Master text styles</a:t>
             </a:r>
           </a:p>
@@ -2707,7 +2718,7 @@
           <a:p>
             <a:fld id="{1B35694F-4D0F-434D-B2B9-390E8EC1C760}" type="datetimeFigureOut">
               <a:rPr lang="en-US" smtClean="0"/>
-              <a:t>12/4/2020</a:t>
+              <a:t>4/25/2021</a:t>
             </a:fld>
             <a:endParaRPr lang="en-US"/>
           </a:p>
@@ -2832,35 +2843,35 @@
           <a:p>
             <a:pPr lvl="0"/>
             <a:r>
-              <a:rPr lang="en-US" smtClean="0"/>
+              <a:rPr lang="en-US"/>
               <a:t>Click to edit Master text styles</a:t>
             </a:r>
           </a:p>
           <a:p>
             <a:pPr lvl="1"/>
             <a:r>
-              <a:rPr lang="en-US" smtClean="0"/>
+              <a:rPr lang="en-US"/>
               <a:t>Second level</a:t>
             </a:r>
           </a:p>
           <a:p>
             <a:pPr lvl="2"/>
             <a:r>
-              <a:rPr lang="en-US" smtClean="0"/>
+              <a:rPr lang="en-US"/>
               <a:t>Third level</a:t>
             </a:r>
           </a:p>
           <a:p>
             <a:pPr lvl="3"/>
             <a:r>
-              <a:rPr lang="en-US" smtClean="0"/>
+              <a:rPr lang="en-US"/>
               <a:t>Fourth level</a:t>
             </a:r>
           </a:p>
           <a:p>
             <a:pPr lvl="4"/>
             <a:r>
-              <a:rPr lang="en-US" smtClean="0"/>
+              <a:rPr lang="en-US"/>
               <a:t>Fifth level</a:t>
             </a:r>
             <a:endParaRPr lang="en-US" dirty="0"/>
@@ -2884,7 +2895,7 @@
           <a:p>
             <a:fld id="{1B35694F-4D0F-434D-B2B9-390E8EC1C760}" type="datetimeFigureOut">
               <a:rPr lang="en-US" smtClean="0"/>
-              <a:t>12/4/2020</a:t>
+              <a:t>4/25/2021</a:t>
             </a:fld>
             <a:endParaRPr lang="en-US"/>
           </a:p>
@@ -2953,7 +2964,7 @@
           <a:lstStyle/>
           <a:p>
             <a:r>
-              <a:rPr lang="en-US" smtClean="0"/>
+              <a:rPr lang="en-US"/>
               <a:t>Click to edit Master title style</a:t>
             </a:r>
             <a:endParaRPr lang="en-US" dirty="0"/>
@@ -3041,7 +3052,7 @@
           <a:lstStyle/>
           <a:p>
             <a:r>
-              <a:rPr lang="en-US" smtClean="0"/>
+              <a:rPr lang="en-US"/>
               <a:t>Click to edit Master title style</a:t>
             </a:r>
             <a:endParaRPr lang="en-US" dirty="0"/>
@@ -3070,35 +3081,35 @@
           <a:p>
             <a:pPr lvl="0"/>
             <a:r>
-              <a:rPr lang="en-US" smtClean="0"/>
+              <a:rPr lang="en-US"/>
               <a:t>Click to edit Master text styles</a:t>
             </a:r>
           </a:p>
           <a:p>
             <a:pPr lvl="1"/>
             <a:r>
-              <a:rPr lang="en-US" smtClean="0"/>
+              <a:rPr lang="en-US"/>
               <a:t>Second level</a:t>
             </a:r>
           </a:p>
           <a:p>
             <a:pPr lvl="2"/>
             <a:r>
-              <a:rPr lang="en-US" smtClean="0"/>
+              <a:rPr lang="en-US"/>
               <a:t>Third level</a:t>
             </a:r>
           </a:p>
           <a:p>
             <a:pPr lvl="3"/>
             <a:r>
-              <a:rPr lang="en-US" smtClean="0"/>
+              <a:rPr lang="en-US"/>
               <a:t>Fourth level</a:t>
             </a:r>
           </a:p>
           <a:p>
             <a:pPr lvl="4"/>
             <a:r>
-              <a:rPr lang="en-US" smtClean="0"/>
+              <a:rPr lang="en-US"/>
               <a:t>Fifth level</a:t>
             </a:r>
             <a:endParaRPr lang="en-US" dirty="0"/>
@@ -3122,7 +3133,7 @@
           <a:p>
             <a:fld id="{1B35694F-4D0F-434D-B2B9-390E8EC1C760}" type="datetimeFigureOut">
               <a:rPr lang="en-US" smtClean="0"/>
-              <a:t>12/4/2020</a:t>
+              <a:t>4/25/2021</a:t>
             </a:fld>
             <a:endParaRPr lang="en-US"/>
           </a:p>
@@ -3246,7 +3257,7 @@
           <a:lstStyle/>
           <a:p>
             <a:r>
-              <a:rPr lang="en-US" smtClean="0"/>
+              <a:rPr lang="en-US"/>
               <a:t>Click to edit Master title style</a:t>
             </a:r>
             <a:endParaRPr lang="en-US" dirty="0"/>
@@ -3270,35 +3281,35 @@
           <a:p>
             <a:pPr lvl="0"/>
             <a:r>
-              <a:rPr lang="en-US" smtClean="0"/>
+              <a:rPr lang="en-US"/>
               <a:t>Click to edit Master text styles</a:t>
             </a:r>
           </a:p>
           <a:p>
             <a:pPr lvl="1"/>
             <a:r>
-              <a:rPr lang="en-US" smtClean="0"/>
+              <a:rPr lang="en-US"/>
               <a:t>Second level</a:t>
             </a:r>
           </a:p>
           <a:p>
             <a:pPr lvl="2"/>
             <a:r>
-              <a:rPr lang="en-US" smtClean="0"/>
+              <a:rPr lang="en-US"/>
               <a:t>Third level</a:t>
             </a:r>
           </a:p>
           <a:p>
             <a:pPr lvl="3"/>
             <a:r>
-              <a:rPr lang="en-US" smtClean="0"/>
+              <a:rPr lang="en-US"/>
               <a:t>Fourth level</a:t>
             </a:r>
           </a:p>
           <a:p>
             <a:pPr lvl="4"/>
             <a:r>
-              <a:rPr lang="en-US" smtClean="0"/>
+              <a:rPr lang="en-US"/>
               <a:t>Fifth level</a:t>
             </a:r>
             <a:endParaRPr lang="en-US" dirty="0"/>
@@ -3322,7 +3333,7 @@
           <a:p>
             <a:fld id="{1B35694F-4D0F-434D-B2B9-390E8EC1C760}" type="datetimeFigureOut">
               <a:rPr lang="en-US" smtClean="0"/>
-              <a:t>12/4/2020</a:t>
+              <a:t>4/25/2021</a:t>
             </a:fld>
             <a:endParaRPr lang="en-US"/>
           </a:p>
@@ -3455,7 +3466,7 @@
           </a:lstStyle>
           <a:p>
             <a:r>
-              <a:rPr lang="en-US" smtClean="0"/>
+              <a:rPr lang="en-US"/>
               <a:t>Click to edit Master title style</a:t>
             </a:r>
             <a:endParaRPr lang="en-US" dirty="0"/>
@@ -3575,7 +3586,7 @@
           <a:p>
             <a:pPr lvl="0"/>
             <a:r>
-              <a:rPr lang="en-US" smtClean="0"/>
+              <a:rPr lang="en-US"/>
               <a:t>Click to edit Master text styles</a:t>
             </a:r>
           </a:p>
@@ -3598,7 +3609,7 @@
           <a:p>
             <a:fld id="{1B35694F-4D0F-434D-B2B9-390E8EC1C760}" type="datetimeFigureOut">
               <a:rPr lang="en-US" smtClean="0"/>
-              <a:t>12/4/2020</a:t>
+              <a:t>4/25/2021</a:t>
             </a:fld>
             <a:endParaRPr lang="en-US"/>
           </a:p>
@@ -3722,7 +3733,7 @@
           <a:lstStyle/>
           <a:p>
             <a:r>
-              <a:rPr lang="en-US" smtClean="0"/>
+              <a:rPr lang="en-US"/>
               <a:t>Click to edit Master title style</a:t>
             </a:r>
             <a:endParaRPr lang="en-US" dirty="0"/>
@@ -3753,35 +3764,35 @@
           <a:p>
             <a:pPr lvl="0"/>
             <a:r>
-              <a:rPr lang="en-US" smtClean="0"/>
+              <a:rPr lang="en-US"/>
               <a:t>Click to edit Master text styles</a:t>
             </a:r>
           </a:p>
           <a:p>
             <a:pPr lvl="1"/>
             <a:r>
-              <a:rPr lang="en-US" smtClean="0"/>
+              <a:rPr lang="en-US"/>
               <a:t>Second level</a:t>
             </a:r>
           </a:p>
           <a:p>
             <a:pPr lvl="2"/>
             <a:r>
-              <a:rPr lang="en-US" smtClean="0"/>
+              <a:rPr lang="en-US"/>
               <a:t>Third level</a:t>
             </a:r>
           </a:p>
           <a:p>
             <a:pPr lvl="3"/>
             <a:r>
-              <a:rPr lang="en-US" smtClean="0"/>
+              <a:rPr lang="en-US"/>
               <a:t>Fourth level</a:t>
             </a:r>
           </a:p>
           <a:p>
             <a:pPr lvl="4"/>
             <a:r>
-              <a:rPr lang="en-US" smtClean="0"/>
+              <a:rPr lang="en-US"/>
               <a:t>Fifth level</a:t>
             </a:r>
             <a:endParaRPr lang="en-US" dirty="0"/>
@@ -3812,35 +3823,35 @@
           <a:p>
             <a:pPr lvl="0"/>
             <a:r>
-              <a:rPr lang="en-US" smtClean="0"/>
+              <a:rPr lang="en-US"/>
               <a:t>Click to edit Master text styles</a:t>
             </a:r>
           </a:p>
           <a:p>
             <a:pPr lvl="1"/>
             <a:r>
-              <a:rPr lang="en-US" smtClean="0"/>
+              <a:rPr lang="en-US"/>
               <a:t>Second level</a:t>
             </a:r>
           </a:p>
           <a:p>
             <a:pPr lvl="2"/>
             <a:r>
-              <a:rPr lang="en-US" smtClean="0"/>
+              <a:rPr lang="en-US"/>
               <a:t>Third level</a:t>
             </a:r>
           </a:p>
           <a:p>
             <a:pPr lvl="3"/>
             <a:r>
-              <a:rPr lang="en-US" smtClean="0"/>
+              <a:rPr lang="en-US"/>
               <a:t>Fourth level</a:t>
             </a:r>
           </a:p>
           <a:p>
             <a:pPr lvl="4"/>
             <a:r>
-              <a:rPr lang="en-US" smtClean="0"/>
+              <a:rPr lang="en-US"/>
               <a:t>Fifth level</a:t>
             </a:r>
             <a:endParaRPr lang="en-US" dirty="0"/>
@@ -3864,7 +3875,7 @@
           <a:p>
             <a:fld id="{1B35694F-4D0F-434D-B2B9-390E8EC1C760}" type="datetimeFigureOut">
               <a:rPr lang="en-US" smtClean="0"/>
-              <a:t>12/4/2020</a:t>
+              <a:t>4/25/2021</a:t>
             </a:fld>
             <a:endParaRPr lang="en-US"/>
           </a:p>
@@ -3962,7 +3973,7 @@
           </a:lstStyle>
           <a:p>
             <a:r>
-              <a:rPr lang="en-US" smtClean="0"/>
+              <a:rPr lang="en-US"/>
               <a:t>Click to edit Master title style</a:t>
             </a:r>
             <a:endParaRPr lang="en-US" dirty="0"/>
@@ -4030,7 +4041,7 @@
           <a:p>
             <a:pPr lvl="0"/>
             <a:r>
-              <a:rPr lang="en-US" smtClean="0"/>
+              <a:rPr lang="en-US"/>
               <a:t>Click to edit Master text styles</a:t>
             </a:r>
           </a:p>
@@ -4060,35 +4071,35 @@
           <a:p>
             <a:pPr lvl="0"/>
             <a:r>
-              <a:rPr lang="en-US" smtClean="0"/>
+              <a:rPr lang="en-US"/>
               <a:t>Click to edit Master text styles</a:t>
             </a:r>
           </a:p>
           <a:p>
             <a:pPr lvl="1"/>
             <a:r>
-              <a:rPr lang="en-US" smtClean="0"/>
+              <a:rPr lang="en-US"/>
               <a:t>Second level</a:t>
             </a:r>
           </a:p>
           <a:p>
             <a:pPr lvl="2"/>
             <a:r>
-              <a:rPr lang="en-US" smtClean="0"/>
+              <a:rPr lang="en-US"/>
               <a:t>Third level</a:t>
             </a:r>
           </a:p>
           <a:p>
             <a:pPr lvl="3"/>
             <a:r>
-              <a:rPr lang="en-US" smtClean="0"/>
+              <a:rPr lang="en-US"/>
               <a:t>Fourth level</a:t>
             </a:r>
           </a:p>
           <a:p>
             <a:pPr lvl="4"/>
             <a:r>
-              <a:rPr lang="en-US" smtClean="0"/>
+              <a:rPr lang="en-US"/>
               <a:t>Fifth level</a:t>
             </a:r>
             <a:endParaRPr lang="en-US" dirty="0"/>
@@ -4156,7 +4167,7 @@
           <a:p>
             <a:pPr lvl="0"/>
             <a:r>
-              <a:rPr lang="en-US" smtClean="0"/>
+              <a:rPr lang="en-US"/>
               <a:t>Click to edit Master text styles</a:t>
             </a:r>
           </a:p>
@@ -4186,35 +4197,35 @@
           <a:p>
             <a:pPr lvl="0"/>
             <a:r>
-              <a:rPr lang="en-US" smtClean="0"/>
+              <a:rPr lang="en-US"/>
               <a:t>Click to edit Master text styles</a:t>
             </a:r>
           </a:p>
           <a:p>
             <a:pPr lvl="1"/>
             <a:r>
-              <a:rPr lang="en-US" smtClean="0"/>
+              <a:rPr lang="en-US"/>
               <a:t>Second level</a:t>
             </a:r>
           </a:p>
           <a:p>
             <a:pPr lvl="2"/>
             <a:r>
-              <a:rPr lang="en-US" smtClean="0"/>
+              <a:rPr lang="en-US"/>
               <a:t>Third level</a:t>
             </a:r>
           </a:p>
           <a:p>
             <a:pPr lvl="3"/>
             <a:r>
-              <a:rPr lang="en-US" smtClean="0"/>
+              <a:rPr lang="en-US"/>
               <a:t>Fourth level</a:t>
             </a:r>
           </a:p>
           <a:p>
             <a:pPr lvl="4"/>
             <a:r>
-              <a:rPr lang="en-US" smtClean="0"/>
+              <a:rPr lang="en-US"/>
               <a:t>Fifth level</a:t>
             </a:r>
             <a:endParaRPr lang="en-US" dirty="0"/>
@@ -4238,7 +4249,7 @@
           <a:p>
             <a:fld id="{1B35694F-4D0F-434D-B2B9-390E8EC1C760}" type="datetimeFigureOut">
               <a:rPr lang="en-US" smtClean="0"/>
-              <a:t>12/4/2020</a:t>
+              <a:t>4/25/2021</a:t>
             </a:fld>
             <a:endParaRPr lang="en-US"/>
           </a:p>
@@ -4362,7 +4373,7 @@
           <a:lstStyle/>
           <a:p>
             <a:r>
-              <a:rPr lang="en-US" smtClean="0"/>
+              <a:rPr lang="en-US"/>
               <a:t>Click to edit Master title style</a:t>
             </a:r>
             <a:endParaRPr lang="en-US" dirty="0"/>
@@ -4386,7 +4397,7 @@
           <a:p>
             <a:fld id="{1B35694F-4D0F-434D-B2B9-390E8EC1C760}" type="datetimeFigureOut">
               <a:rPr lang="en-US" smtClean="0"/>
-              <a:t>12/4/2020</a:t>
+              <a:t>4/25/2021</a:t>
             </a:fld>
             <a:endParaRPr lang="en-US"/>
           </a:p>
@@ -4511,7 +4522,7 @@
           <a:p>
             <a:fld id="{1B35694F-4D0F-434D-B2B9-390E8EC1C760}" type="datetimeFigureOut">
               <a:rPr lang="en-US" smtClean="0"/>
-              <a:t>12/4/2020</a:t>
+              <a:t>4/25/2021</a:t>
             </a:fld>
             <a:endParaRPr lang="en-US"/>
           </a:p>
@@ -4646,7 +4657,7 @@
           </a:lstStyle>
           <a:p>
             <a:r>
-              <a:rPr lang="en-US" smtClean="0"/>
+              <a:rPr lang="en-US"/>
               <a:t>Click to edit Master title style</a:t>
             </a:r>
             <a:endParaRPr lang="en-US" dirty="0"/>
@@ -4677,35 +4688,35 @@
           <a:p>
             <a:pPr lvl="0"/>
             <a:r>
-              <a:rPr lang="en-US" smtClean="0"/>
+              <a:rPr lang="en-US"/>
               <a:t>Click to edit Master text styles</a:t>
             </a:r>
           </a:p>
           <a:p>
             <a:pPr lvl="1"/>
             <a:r>
-              <a:rPr lang="en-US" smtClean="0"/>
+              <a:rPr lang="en-US"/>
               <a:t>Second level</a:t>
             </a:r>
           </a:p>
           <a:p>
             <a:pPr lvl="2"/>
             <a:r>
-              <a:rPr lang="en-US" smtClean="0"/>
+              <a:rPr lang="en-US"/>
               <a:t>Third level</a:t>
             </a:r>
           </a:p>
           <a:p>
             <a:pPr lvl="3"/>
             <a:r>
-              <a:rPr lang="en-US" smtClean="0"/>
+              <a:rPr lang="en-US"/>
               <a:t>Fourth level</a:t>
             </a:r>
           </a:p>
           <a:p>
             <a:pPr lvl="4"/>
             <a:r>
-              <a:rPr lang="en-US" smtClean="0"/>
+              <a:rPr lang="en-US"/>
               <a:t>Fifth level</a:t>
             </a:r>
             <a:endParaRPr lang="en-US" dirty="0"/>
@@ -4773,7 +4784,7 @@
           <a:p>
             <a:pPr lvl="0"/>
             <a:r>
-              <a:rPr lang="en-US" smtClean="0"/>
+              <a:rPr lang="en-US"/>
               <a:t>Click to edit Master text styles</a:t>
             </a:r>
           </a:p>
@@ -4796,7 +4807,7 @@
           <a:p>
             <a:fld id="{1B35694F-4D0F-434D-B2B9-390E8EC1C760}" type="datetimeFigureOut">
               <a:rPr lang="en-US" smtClean="0"/>
-              <a:t>12/4/2020</a:t>
+              <a:t>4/25/2021</a:t>
             </a:fld>
             <a:endParaRPr lang="en-US"/>
           </a:p>
@@ -4931,7 +4942,7 @@
           </a:lstStyle>
           <a:p>
             <a:r>
-              <a:rPr lang="en-US" smtClean="0"/>
+              <a:rPr lang="en-US"/>
               <a:t>Click to edit Master title style</a:t>
             </a:r>
             <a:endParaRPr lang="en-US" dirty="0"/>
@@ -5029,7 +5040,7 @@
           </a:lstStyle>
           <a:p>
             <a:r>
-              <a:rPr lang="en-US" smtClean="0"/>
+              <a:rPr lang="en-US"/>
               <a:t>Click icon to add picture</a:t>
             </a:r>
             <a:endParaRPr lang="en-US" dirty="0"/>
@@ -5097,7 +5108,7 @@
           <a:p>
             <a:pPr lvl="0"/>
             <a:r>
-              <a:rPr lang="en-US" smtClean="0"/>
+              <a:rPr lang="en-US"/>
               <a:t>Click to edit Master text styles</a:t>
             </a:r>
           </a:p>
@@ -5120,7 +5131,7 @@
           <a:p>
             <a:fld id="{1B35694F-4D0F-434D-B2B9-390E8EC1C760}" type="datetimeFigureOut">
               <a:rPr lang="en-US" smtClean="0"/>
-              <a:t>12/4/2020</a:t>
+              <a:t>4/25/2021</a:t>
             </a:fld>
             <a:endParaRPr lang="en-US"/>
           </a:p>
@@ -5230,7 +5241,7 @@
           <a:lstStyle/>
           <a:p>
             <a:r>
-              <a:rPr lang="en-US" smtClean="0"/>
+              <a:rPr lang="en-US"/>
               <a:t>Click to edit Master title style</a:t>
             </a:r>
             <a:endParaRPr lang="en-US" dirty="0"/>
@@ -5264,35 +5275,35 @@
           <a:p>
             <a:pPr lvl="0"/>
             <a:r>
-              <a:rPr lang="en-US" smtClean="0"/>
+              <a:rPr lang="en-US"/>
               <a:t>Click to edit Master text styles</a:t>
             </a:r>
           </a:p>
           <a:p>
             <a:pPr lvl="1"/>
             <a:r>
-              <a:rPr lang="en-US" smtClean="0"/>
+              <a:rPr lang="en-US"/>
               <a:t>Second level</a:t>
             </a:r>
           </a:p>
           <a:p>
             <a:pPr lvl="2"/>
             <a:r>
-              <a:rPr lang="en-US" smtClean="0"/>
+              <a:rPr lang="en-US"/>
               <a:t>Third level</a:t>
             </a:r>
           </a:p>
           <a:p>
             <a:pPr lvl="3"/>
             <a:r>
-              <a:rPr lang="en-US" smtClean="0"/>
+              <a:rPr lang="en-US"/>
               <a:t>Fourth level</a:t>
             </a:r>
           </a:p>
           <a:p>
             <a:pPr lvl="4"/>
             <a:r>
-              <a:rPr lang="en-US" smtClean="0"/>
+              <a:rPr lang="en-US"/>
               <a:t>Fifth level</a:t>
             </a:r>
             <a:endParaRPr lang="en-US" dirty="0"/>
@@ -5334,7 +5345,7 @@
           <a:p>
             <a:fld id="{1B35694F-4D0F-434D-B2B9-390E8EC1C760}" type="datetimeFigureOut">
               <a:rPr lang="en-US" smtClean="0"/>
-              <a:t>12/4/2020</a:t>
+              <a:t>4/25/2021</a:t>
             </a:fld>
             <a:endParaRPr lang="en-US"/>
           </a:p>
@@ -5863,10 +5874,9 @@
           <a:lstStyle/>
           <a:p>
             <a:r>
-              <a:rPr lang="en-US" dirty="0" smtClean="0"/>
+              <a:rPr lang="en-US" dirty="0"/>
               <a:t>UAVSAR LITE</a:t>
             </a:r>
-            <a:endParaRPr lang="en-US" dirty="0"/>
           </a:p>
         </p:txBody>
       </p:sp>
@@ -5886,16 +5896,15 @@
           <a:lstStyle/>
           <a:p>
             <a:r>
-              <a:rPr lang="en-US" dirty="0" smtClean="0"/>
+              <a:rPr lang="en-US" dirty="0"/>
               <a:t>2022 CAPSTONE PROJECT</a:t>
             </a:r>
           </a:p>
           <a:p>
             <a:r>
-              <a:rPr lang="en-US" dirty="0" smtClean="0"/>
+              <a:rPr lang="en-US" dirty="0"/>
               <a:t>Sprint 5</a:t>
             </a:r>
-            <a:endParaRPr lang="en-US" dirty="0"/>
           </a:p>
         </p:txBody>
       </p:sp>
@@ -5909,13 +5918,6 @@
   <p:clrMapOvr>
     <a:masterClrMapping/>
   </p:clrMapOvr>
-  <p:timing>
-    <p:tnLst>
-      <p:par>
-        <p:cTn id="1" dur="indefinite" restart="never" nodeType="tmRoot"/>
-      </p:par>
-    </p:tnLst>
-  </p:timing>
 </p:sld>
 </file>
 
@@ -5952,10 +5954,9 @@
           <a:lstStyle/>
           <a:p>
             <a:r>
-              <a:rPr lang="en-US" dirty="0" smtClean="0"/>
+              <a:rPr lang="en-US" dirty="0"/>
               <a:t>Spectrogram plot of a chirp real signal</a:t>
             </a:r>
-            <a:endParaRPr lang="en-US" dirty="0"/>
           </a:p>
         </p:txBody>
       </p:sp>
@@ -5976,65 +5977,29 @@
           <a:p>
             <a:r>
               <a:rPr lang="en-US" dirty="0"/>
-              <a:t>The chirp is sampled at </a:t>
-            </a:r>
-            <a:r>
-              <a:rPr lang="en-US" dirty="0" smtClean="0"/>
-              <a:t>10 </a:t>
-            </a:r>
-            <a:r>
-              <a:rPr lang="en-US" dirty="0"/>
-              <a:t>kHz for </a:t>
-            </a:r>
-            <a:r>
-              <a:rPr lang="en-US" dirty="0" smtClean="0"/>
-              <a:t>2seconds</a:t>
-            </a:r>
-            <a:r>
-              <a:rPr lang="en-US" dirty="0"/>
-              <a:t>. The instantaneous frequency is 0 at t = 0 and crosses </a:t>
-            </a:r>
-            <a:r>
-              <a:rPr lang="en-US" dirty="0" smtClean="0"/>
-              <a:t>5 </a:t>
-            </a:r>
-            <a:r>
-              <a:rPr lang="en-US" dirty="0"/>
-              <a:t>K</a:t>
-            </a:r>
-            <a:r>
-              <a:rPr lang="en-US" dirty="0" smtClean="0"/>
-              <a:t>Hz </a:t>
-            </a:r>
-            <a:r>
-              <a:rPr lang="en-US" dirty="0"/>
-              <a:t>at t = </a:t>
-            </a:r>
-            <a:r>
-              <a:rPr lang="en-US" dirty="0" smtClean="0"/>
-              <a:t>0.5 seconds. The spectrogram plot shows the real signal</a:t>
-            </a:r>
-          </a:p>
-          <a:p>
-            <a:endParaRPr lang="en-US" dirty="0" smtClean="0"/>
-          </a:p>
-          <a:p>
-            <a:endParaRPr lang="en-US" dirty="0"/>
-          </a:p>
-          <a:p>
-            <a:endParaRPr lang="en-US" dirty="0" smtClean="0"/>
-          </a:p>
-          <a:p>
-            <a:endParaRPr lang="en-US" dirty="0"/>
-          </a:p>
-          <a:p>
-            <a:endParaRPr lang="en-US" dirty="0" smtClean="0"/>
-          </a:p>
-          <a:p>
-            <a:endParaRPr lang="en-US" dirty="0"/>
-          </a:p>
-          <a:p>
-            <a:endParaRPr lang="en-US" dirty="0" smtClean="0"/>
+              <a:t>The chirp is sampled at 10 kHz for 2seconds. The instantaneous frequency is 0 at t = 0 and crosses 5 KHz at t = 0.5 seconds. The spectrogram plot shows the real signal</a:t>
+            </a:r>
+          </a:p>
+          <a:p>
+            <a:endParaRPr lang="en-US" dirty="0"/>
+          </a:p>
+          <a:p>
+            <a:endParaRPr lang="en-US" dirty="0"/>
+          </a:p>
+          <a:p>
+            <a:endParaRPr lang="en-US" dirty="0"/>
+          </a:p>
+          <a:p>
+            <a:endParaRPr lang="en-US" dirty="0"/>
+          </a:p>
+          <a:p>
+            <a:endParaRPr lang="en-US" dirty="0"/>
+          </a:p>
+          <a:p>
+            <a:endParaRPr lang="en-US" dirty="0"/>
+          </a:p>
+          <a:p>
+            <a:endParaRPr lang="en-US" dirty="0"/>
           </a:p>
           <a:p>
             <a:endParaRPr lang="en-US" dirty="0"/>
@@ -6105,13 +6070,6 @@
   <p:clrMapOvr>
     <a:masterClrMapping/>
   </p:clrMapOvr>
-  <p:timing>
-    <p:tnLst>
-      <p:par>
-        <p:cTn id="1" dur="indefinite" restart="never" nodeType="tmRoot"/>
-      </p:par>
-    </p:tnLst>
-  </p:timing>
 </p:sld>
 </file>
 
@@ -6148,11 +6106,11 @@
           <a:lstStyle/>
           <a:p>
             <a:r>
-              <a:rPr lang="en-US" dirty="0" smtClean="0"/>
+              <a:rPr lang="en-US" dirty="0"/>
               <a:t>Real and imaginary </a:t>
             </a:r>
             <a:r>
-              <a:rPr lang="en-US" smtClean="0"/>
+              <a:rPr lang="en-US"/>
               <a:t>time series</a:t>
             </a:r>
             <a:endParaRPr lang="en-US" dirty="0"/>
@@ -6176,41 +6134,29 @@
           <a:p>
             <a:r>
               <a:rPr lang="en-US" dirty="0"/>
-              <a:t>The chirp is sampled at 2</a:t>
-            </a:r>
-            <a:r>
-              <a:rPr lang="en-US" dirty="0" smtClean="0"/>
-              <a:t> </a:t>
-            </a:r>
-            <a:r>
-              <a:rPr lang="en-US" dirty="0"/>
-              <a:t>kHz for  </a:t>
-            </a:r>
-            <a:r>
-              <a:rPr lang="en-US" dirty="0" smtClean="0"/>
-              <a:t>1 second. Starts at 0 and stops at 1 KHz First .5 seconds of signal</a:t>
-            </a:r>
-          </a:p>
-          <a:p>
-            <a:endParaRPr lang="en-US" dirty="0" smtClean="0"/>
-          </a:p>
-          <a:p>
-            <a:endParaRPr lang="en-US" dirty="0"/>
-          </a:p>
-          <a:p>
-            <a:endParaRPr lang="en-US" dirty="0" smtClean="0"/>
-          </a:p>
-          <a:p>
-            <a:endParaRPr lang="en-US" dirty="0"/>
-          </a:p>
-          <a:p>
-            <a:endParaRPr lang="en-US" dirty="0" smtClean="0"/>
-          </a:p>
-          <a:p>
-            <a:endParaRPr lang="en-US" dirty="0"/>
-          </a:p>
-          <a:p>
-            <a:endParaRPr lang="en-US" dirty="0" smtClean="0"/>
+              <a:t>The chirp is sampled at 2 kHz for  1 second. Starts at 0 and stops at 1 KHz First .5 seconds of signal</a:t>
+            </a:r>
+          </a:p>
+          <a:p>
+            <a:endParaRPr lang="en-US" dirty="0"/>
+          </a:p>
+          <a:p>
+            <a:endParaRPr lang="en-US" dirty="0"/>
+          </a:p>
+          <a:p>
+            <a:endParaRPr lang="en-US" dirty="0"/>
+          </a:p>
+          <a:p>
+            <a:endParaRPr lang="en-US" dirty="0"/>
+          </a:p>
+          <a:p>
+            <a:endParaRPr lang="en-US" dirty="0"/>
+          </a:p>
+          <a:p>
+            <a:endParaRPr lang="en-US" dirty="0"/>
+          </a:p>
+          <a:p>
+            <a:endParaRPr lang="en-US" dirty="0"/>
           </a:p>
           <a:p>
             <a:endParaRPr lang="en-US" dirty="0"/>
@@ -6281,13 +6227,6 @@
   <p:clrMapOvr>
     <a:masterClrMapping/>
   </p:clrMapOvr>
-  <p:timing>
-    <p:tnLst>
-      <p:par>
-        <p:cTn id="1" dur="indefinite" restart="never" nodeType="tmRoot"/>
-      </p:par>
-    </p:tnLst>
-  </p:timing>
 </p:sld>
 </file>
 
@@ -6324,14 +6263,13 @@
           <a:lstStyle/>
           <a:p>
             <a:r>
-              <a:rPr lang="en-US" dirty="0" err="1" smtClean="0"/>
+              <a:rPr lang="en-US" dirty="0" err="1"/>
               <a:t>Matlab</a:t>
             </a:r>
             <a:r>
-              <a:rPr lang="en-US" dirty="0" smtClean="0"/>
+              <a:rPr lang="en-US" dirty="0"/>
               <a:t> Linear chirp example</a:t>
             </a:r>
-            <a:endParaRPr lang="en-US" dirty="0"/>
           </a:p>
         </p:txBody>
       </p:sp>
@@ -6418,13 +6356,6 @@
   <p:clrMapOvr>
     <a:masterClrMapping/>
   </p:clrMapOvr>
-  <p:timing>
-    <p:tnLst>
-      <p:par>
-        <p:cTn id="1" dur="indefinite" restart="never" nodeType="tmRoot"/>
-      </p:par>
-    </p:tnLst>
-  </p:timing>
 </p:sld>
 </file>
 
@@ -6461,10 +6392,9 @@
           <a:lstStyle/>
           <a:p>
             <a:r>
-              <a:rPr lang="en-US" dirty="0" smtClean="0"/>
+              <a:rPr lang="en-US" dirty="0"/>
               <a:t>Importance to radar</a:t>
             </a:r>
-            <a:endParaRPr lang="en-US" dirty="0"/>
           </a:p>
         </p:txBody>
       </p:sp>
@@ -6491,86 +6421,42 @@
           <a:lstStyle/>
           <a:p>
             <a:r>
-              <a:rPr lang="en-US" dirty="0" smtClean="0"/>
+              <a:rPr lang="en-US" dirty="0"/>
               <a:t>Pulse compression is technique used in radar that allows a burst of pulses to be transmitted successively and then received and compressed as if 1 pulse was sent out.</a:t>
             </a:r>
           </a:p>
           <a:p>
             <a:r>
-              <a:rPr lang="en-US" dirty="0" smtClean="0"/>
-              <a:t>Linear </a:t>
-            </a:r>
-            <a:r>
               <a:rPr lang="en-US" dirty="0"/>
-              <a:t>frequency </a:t>
-            </a:r>
-            <a:r>
-              <a:rPr lang="en-US" dirty="0" smtClean="0"/>
-              <a:t>modulation has </a:t>
-            </a:r>
-            <a:r>
-              <a:rPr lang="en-US" dirty="0"/>
-              <a:t>the advantage of enabling very large compression ratios</a:t>
+              <a:t>Linear frequency modulation has the advantage of enabling very large compression ratios</a:t>
             </a:r>
             <a:br>
               <a:rPr lang="en-US" dirty="0"/>
             </a:br>
             <a:r>
               <a:rPr lang="en-US" dirty="0"/>
-              <a:t>to be achieved. In addition, it is comparatively simple. </a:t>
-            </a:r>
-            <a:r>
-              <a:rPr lang="en-US" dirty="0" smtClean="0"/>
-              <a:t>No matter </a:t>
-            </a:r>
-            <a:r>
-              <a:rPr lang="en-US" dirty="0"/>
-              <a:t>when a pulse is received or what its exact </a:t>
-            </a:r>
-            <a:r>
-              <a:rPr lang="en-US" dirty="0" smtClean="0"/>
-              <a:t>frequency is</a:t>
-            </a:r>
-            <a:r>
-              <a:rPr lang="en-US" dirty="0"/>
-              <a:t>, it will pass through the filter equally well and with </a:t>
-            </a:r>
-            <a:r>
-              <a:rPr lang="en-US" dirty="0" smtClean="0"/>
-              <a:t>the same </a:t>
-            </a:r>
-            <a:r>
-              <a:rPr lang="en-US" dirty="0"/>
-              <a:t>amount of compression</a:t>
-            </a:r>
-            <a:r>
-              <a:rPr lang="en-US" dirty="0" smtClean="0"/>
-              <a:t>.</a:t>
-            </a:r>
-          </a:p>
-          <a:p>
-            <a:endParaRPr lang="en-US" dirty="0"/>
-          </a:p>
-          <a:p>
-            <a:endParaRPr lang="en-US" dirty="0" smtClean="0"/>
-          </a:p>
-          <a:p>
-            <a:endParaRPr lang="en-US" dirty="0"/>
-          </a:p>
-          <a:p>
-            <a:endParaRPr lang="en-US" dirty="0" smtClean="0"/>
-          </a:p>
-          <a:p>
-            <a:endParaRPr lang="en-US" dirty="0" smtClean="0"/>
+              <a:t>to be achieved. In addition, it is comparatively simple. No matter when a pulse is received or what its exact frequency is, it will pass through the filter equally well and with the same amount of compression.</a:t>
+            </a:r>
+          </a:p>
+          <a:p>
+            <a:endParaRPr lang="en-US" dirty="0"/>
+          </a:p>
+          <a:p>
+            <a:endParaRPr lang="en-US" dirty="0"/>
+          </a:p>
+          <a:p>
+            <a:endParaRPr lang="en-US" dirty="0"/>
+          </a:p>
+          <a:p>
+            <a:endParaRPr lang="en-US" dirty="0"/>
+          </a:p>
+          <a:p>
+            <a:endParaRPr lang="en-US" dirty="0"/>
           </a:p>
           <a:p>
             <a:pPr marL="0" indent="0">
               <a:buNone/>
             </a:pPr>
-            <a:r>
-              <a:rPr lang="en-US" dirty="0"/>
-              <a:t/>
-            </a:r>
             <a:br>
               <a:rPr lang="en-US" dirty="0"/>
             </a:br>
@@ -6642,13 +6528,6 @@
   <p:clrMapOvr>
     <a:masterClrMapping/>
   </p:clrMapOvr>
-  <p:timing>
-    <p:tnLst>
-      <p:par>
-        <p:cTn id="1" dur="indefinite" restart="never" nodeType="tmRoot"/>
-      </p:par>
-    </p:tnLst>
-  </p:timing>
 </p:sld>
 </file>
 
@@ -6685,10 +6564,9 @@
           <a:lstStyle/>
           <a:p>
             <a:r>
-              <a:rPr lang="en-US" dirty="0" smtClean="0"/>
+              <a:rPr lang="en-US" dirty="0"/>
               <a:t>Matched filter</a:t>
             </a:r>
-            <a:endParaRPr lang="en-US" dirty="0"/>
           </a:p>
         </p:txBody>
       </p:sp>
@@ -6708,7 +6586,7 @@
           <a:lstStyle/>
           <a:p>
             <a:r>
-              <a:rPr lang="en-US" sz="2000" dirty="0" smtClean="0"/>
+              <a:rPr lang="en-US" sz="2000" dirty="0"/>
               <a:t>What is a matched filter?</a:t>
             </a:r>
           </a:p>
@@ -6729,21 +6607,16 @@
           </a:p>
           <a:p>
             <a:r>
-              <a:rPr lang="en-US" sz="2000" dirty="0" smtClean="0"/>
+              <a:rPr lang="en-US" sz="2000" dirty="0"/>
               <a:t>Why match filters?</a:t>
             </a:r>
           </a:p>
           <a:p>
             <a:pPr lvl="1"/>
             <a:r>
-              <a:rPr lang="en-US" sz="2000" dirty="0" smtClean="0"/>
-              <a:t>Match filters enable the usage of pulse compression by transforming </a:t>
-            </a:r>
-            <a:r>
               <a:rPr lang="en-US" sz="2000" dirty="0"/>
-              <a:t>a long duration frequency-coded pulse into a narrow pulse of greatly increased amplitude</a:t>
-            </a:r>
-            <a:endParaRPr lang="en-US" sz="2000" dirty="0" smtClean="0"/>
+              <a:t>Match filters enable the usage of pulse compression by transforming a long duration frequency-coded pulse into a narrow pulse of greatly increased amplitude</a:t>
+            </a:r>
           </a:p>
           <a:p>
             <a:pPr lvl="1"/>
@@ -6761,13 +6634,6 @@
   <p:clrMapOvr>
     <a:masterClrMapping/>
   </p:clrMapOvr>
-  <p:timing>
-    <p:tnLst>
-      <p:par>
-        <p:cTn id="1" dur="indefinite" restart="never" nodeType="tmRoot"/>
-      </p:par>
-    </p:tnLst>
-  </p:timing>
 </p:sld>
 </file>
 
@@ -6804,10 +6670,9 @@
           <a:lstStyle/>
           <a:p>
             <a:r>
-              <a:rPr lang="en-US" dirty="0" smtClean="0"/>
+              <a:rPr lang="en-US" dirty="0"/>
               <a:t>Matched filter</a:t>
             </a:r>
-            <a:endParaRPr lang="en-US" dirty="0"/>
           </a:p>
         </p:txBody>
       </p:sp>
@@ -6894,13 +6759,6 @@
   <p:clrMapOvr>
     <a:masterClrMapping/>
   </p:clrMapOvr>
-  <p:timing>
-    <p:tnLst>
-      <p:par>
-        <p:cTn id="1" dur="indefinite" restart="never" nodeType="tmRoot"/>
-      </p:par>
-    </p:tnLst>
-  </p:timing>
 </p:sld>
 </file>
 
@@ -6937,10 +6795,9 @@
           <a:lstStyle/>
           <a:p>
             <a:r>
-              <a:rPr lang="en-US" dirty="0" smtClean="0"/>
+              <a:rPr lang="en-US" dirty="0"/>
               <a:t>Matched filter</a:t>
             </a:r>
-            <a:endParaRPr lang="en-US" dirty="0"/>
           </a:p>
         </p:txBody>
       </p:sp>
@@ -6962,19 +6819,19 @@
             <a:endParaRPr lang="en-US" dirty="0"/>
           </a:p>
           <a:p>
-            <a:endParaRPr lang="en-US" dirty="0" smtClean="0"/>
-          </a:p>
-          <a:p>
-            <a:endParaRPr lang="en-US" dirty="0"/>
-          </a:p>
-          <a:p>
-            <a:endParaRPr lang="en-US" dirty="0" smtClean="0"/>
-          </a:p>
-          <a:p>
-            <a:endParaRPr lang="en-US" dirty="0"/>
-          </a:p>
-          <a:p>
-            <a:endParaRPr lang="en-US" dirty="0" smtClean="0"/>
+            <a:endParaRPr lang="en-US" dirty="0"/>
+          </a:p>
+          <a:p>
+            <a:endParaRPr lang="en-US" dirty="0"/>
+          </a:p>
+          <a:p>
+            <a:endParaRPr lang="en-US" dirty="0"/>
+          </a:p>
+          <a:p>
+            <a:endParaRPr lang="en-US" dirty="0"/>
+          </a:p>
+          <a:p>
+            <a:endParaRPr lang="en-US" dirty="0"/>
           </a:p>
           <a:p>
             <a:endParaRPr lang="en-US" dirty="0"/>
@@ -7084,18 +6941,17 @@
           <a:lstStyle/>
           <a:p>
             <a:r>
-              <a:rPr lang="en-US" dirty="0" smtClean="0"/>
+              <a:rPr lang="en-US" dirty="0"/>
               <a:t>Matched filter </a:t>
             </a:r>
             <a:r>
-              <a:rPr lang="en-US" dirty="0" err="1" smtClean="0"/>
+              <a:rPr lang="en-US" dirty="0" err="1"/>
               <a:t>matlab</a:t>
             </a:r>
             <a:r>
-              <a:rPr lang="en-US" dirty="0" smtClean="0"/>
+              <a:rPr lang="en-US" dirty="0"/>
               <a:t> example</a:t>
             </a:r>
-            <a:endParaRPr lang="en-US" dirty="0"/>
           </a:p>
         </p:txBody>
       </p:sp>
@@ -7115,32 +6971,16 @@
           <a:lstStyle/>
           <a:p>
             <a:r>
-              <a:rPr lang="en-US" dirty="0" smtClean="0"/>
-              <a:t>Create a matched filter for </a:t>
-            </a:r>
-            <a:r>
               <a:rPr lang="en-US" dirty="0"/>
-              <a:t>a linear FM waveform with a duration of 0.1 milliseconds, a </a:t>
-            </a:r>
-            <a:r>
-              <a:rPr lang="en-US" dirty="0" smtClean="0"/>
-              <a:t>sweep </a:t>
-            </a:r>
+              <a:t>Create a matched filter for a linear FM waveform with a duration of 0.1 milliseconds, a sweep bandwidth of 100 kHz, and a pulse repetition frequency of 5 kHz with stochastic noise.</a:t>
+            </a:r>
+          </a:p>
+          <a:p>
+            <a:endParaRPr lang="en-US" dirty="0"/>
+          </a:p>
+          <a:p>
             <a:r>
               <a:rPr lang="en-US" dirty="0"/>
-              <a:t>bandwidth of 100 kHz, and a pulse repetition frequency of 5 </a:t>
-            </a:r>
-            <a:r>
-              <a:rPr lang="en-US" dirty="0" smtClean="0"/>
-              <a:t>kHz with stochastic noise.</a:t>
-            </a:r>
-          </a:p>
-          <a:p>
-            <a:endParaRPr lang="en-US" dirty="0"/>
-          </a:p>
-          <a:p>
-            <a:r>
-              <a:rPr lang="en-US" dirty="0" smtClean="0"/>
               <a:t>Signal:</a:t>
             </a:r>
           </a:p>
@@ -7148,7 +6988,7 @@
             <a:endParaRPr lang="en-US" dirty="0"/>
           </a:p>
           <a:p>
-            <a:endParaRPr lang="en-US" dirty="0" smtClean="0"/>
+            <a:endParaRPr lang="en-US" dirty="0"/>
           </a:p>
           <a:p>
             <a:endParaRPr lang="en-US" dirty="0"/>
@@ -7261,18 +7101,17 @@
           <a:lstStyle/>
           <a:p>
             <a:r>
-              <a:rPr lang="en-US" dirty="0" smtClean="0"/>
+              <a:rPr lang="en-US" dirty="0"/>
               <a:t>Matched filter </a:t>
             </a:r>
             <a:r>
-              <a:rPr lang="en-US" dirty="0" err="1" smtClean="0"/>
+              <a:rPr lang="en-US" dirty="0" err="1"/>
               <a:t>matlab</a:t>
             </a:r>
             <a:r>
-              <a:rPr lang="en-US" dirty="0" smtClean="0"/>
+              <a:rPr lang="en-US" dirty="0"/>
               <a:t> example</a:t>
             </a:r>
-            <a:endParaRPr lang="en-US" dirty="0"/>
           </a:p>
         </p:txBody>
       </p:sp>
@@ -7292,7 +7131,7 @@
           <a:lstStyle/>
           <a:p>
             <a:r>
-              <a:rPr lang="en-US" dirty="0" smtClean="0"/>
+              <a:rPr lang="en-US" dirty="0"/>
               <a:t>Matched filter:</a:t>
             </a:r>
           </a:p>
@@ -7300,16 +7139,16 @@
             <a:endParaRPr lang="en-US" dirty="0"/>
           </a:p>
           <a:p>
-            <a:endParaRPr lang="en-US" dirty="0" smtClean="0"/>
-          </a:p>
-          <a:p>
-            <a:endParaRPr lang="en-US" dirty="0"/>
-          </a:p>
-          <a:p>
-            <a:endParaRPr lang="en-US" dirty="0"/>
-          </a:p>
-          <a:p>
-            <a:endParaRPr lang="en-US" dirty="0" smtClean="0"/>
+            <a:endParaRPr lang="en-US" dirty="0"/>
+          </a:p>
+          <a:p>
+            <a:endParaRPr lang="en-US" dirty="0"/>
+          </a:p>
+          <a:p>
+            <a:endParaRPr lang="en-US" dirty="0"/>
+          </a:p>
+          <a:p>
+            <a:endParaRPr lang="en-US" dirty="0"/>
           </a:p>
           <a:p>
             <a:endParaRPr lang="en-US" dirty="0"/>
@@ -7422,18 +7261,17 @@
           <a:lstStyle/>
           <a:p>
             <a:r>
-              <a:rPr lang="en-US" dirty="0" smtClean="0"/>
+              <a:rPr lang="en-US" dirty="0"/>
               <a:t>Matched filter </a:t>
             </a:r>
             <a:r>
-              <a:rPr lang="en-US" dirty="0" err="1" smtClean="0"/>
+              <a:rPr lang="en-US" dirty="0" err="1"/>
               <a:t>matlab</a:t>
             </a:r>
             <a:r>
-              <a:rPr lang="en-US" dirty="0" smtClean="0"/>
+              <a:rPr lang="en-US" dirty="0"/>
               <a:t> example</a:t>
             </a:r>
-            <a:endParaRPr lang="en-US" dirty="0"/>
           </a:p>
         </p:txBody>
       </p:sp>
@@ -7452,22 +7290,22 @@
           <a:bodyPr/>
           <a:lstStyle/>
           <a:p>
-            <a:endParaRPr lang="en-US" dirty="0" smtClean="0"/>
-          </a:p>
-          <a:p>
-            <a:endParaRPr lang="en-US" dirty="0"/>
-          </a:p>
-          <a:p>
-            <a:endParaRPr lang="en-US" dirty="0" smtClean="0"/>
-          </a:p>
-          <a:p>
-            <a:endParaRPr lang="en-US" dirty="0"/>
-          </a:p>
-          <a:p>
-            <a:endParaRPr lang="en-US" dirty="0"/>
-          </a:p>
-          <a:p>
-            <a:endParaRPr lang="en-US" dirty="0" smtClean="0"/>
+            <a:endParaRPr lang="en-US" dirty="0"/>
+          </a:p>
+          <a:p>
+            <a:endParaRPr lang="en-US" dirty="0"/>
+          </a:p>
+          <a:p>
+            <a:endParaRPr lang="en-US" dirty="0"/>
+          </a:p>
+          <a:p>
+            <a:endParaRPr lang="en-US" dirty="0"/>
+          </a:p>
+          <a:p>
+            <a:endParaRPr lang="en-US" dirty="0"/>
+          </a:p>
+          <a:p>
+            <a:endParaRPr lang="en-US" dirty="0"/>
           </a:p>
           <a:p>
             <a:endParaRPr lang="en-US" dirty="0"/>
@@ -7634,10 +7472,9 @@
           <a:lstStyle/>
           <a:p>
             <a:r>
-              <a:rPr lang="en-US" dirty="0" smtClean="0"/>
+              <a:rPr lang="en-US" dirty="0"/>
               <a:t>Sprint OBECTIVE</a:t>
             </a:r>
-            <a:endParaRPr lang="en-US" dirty="0"/>
           </a:p>
         </p:txBody>
       </p:sp>
@@ -7657,57 +7494,37 @@
           <a:lstStyle/>
           <a:p>
             <a:r>
-              <a:rPr lang="en-US" dirty="0" smtClean="0"/>
-              <a:t>The goal of this sprint </a:t>
-            </a:r>
-            <a:r>
-              <a:rPr lang="en-US" dirty="0" smtClean="0"/>
-              <a:t>is to </a:t>
+              <a:rPr lang="en-US" dirty="0"/>
+              <a:t>The goal of this sprint is to </a:t>
             </a:r>
           </a:p>
           <a:p>
             <a:pPr lvl="1"/>
             <a:r>
-              <a:rPr lang="en-US" dirty="0" smtClean="0"/>
+              <a:rPr lang="en-US" dirty="0"/>
               <a:t>Derive the equation for a linear FM Sweep</a:t>
             </a:r>
           </a:p>
           <a:p>
             <a:pPr lvl="1"/>
             <a:r>
-              <a:rPr lang="en-US" dirty="0" smtClean="0"/>
-              <a:t>Build </a:t>
-            </a:r>
-            <a:r>
-              <a:rPr lang="en-US" dirty="0" smtClean="0"/>
-              <a:t>a linear FM </a:t>
-            </a:r>
-            <a:r>
-              <a:rPr lang="en-US" dirty="0" smtClean="0"/>
-              <a:t>sweep</a:t>
-            </a:r>
-            <a:r>
               <a:rPr lang="en-US" dirty="0"/>
-              <a:t> </a:t>
-            </a:r>
-            <a:r>
-              <a:rPr lang="en-US" dirty="0" smtClean="0"/>
-              <a:t>in </a:t>
-            </a:r>
-            <a:r>
-              <a:rPr lang="en-US" dirty="0" err="1" smtClean="0"/>
+              <a:t>Build a linear FM sweep in </a:t>
+            </a:r>
+            <a:r>
+              <a:rPr lang="en-US" dirty="0" err="1"/>
               <a:t>Matlab</a:t>
             </a:r>
-            <a:endParaRPr lang="en-US" dirty="0" smtClean="0"/>
+            <a:endParaRPr lang="en-US" dirty="0"/>
           </a:p>
           <a:p>
             <a:pPr lvl="1"/>
             <a:r>
-              <a:rPr lang="en-US" dirty="0" smtClean="0"/>
+              <a:rPr lang="en-US" dirty="0"/>
               <a:t>Build a matched filter in </a:t>
             </a:r>
             <a:r>
-              <a:rPr lang="en-US" dirty="0" err="1" smtClean="0"/>
+              <a:rPr lang="en-US" dirty="0" err="1"/>
               <a:t>Matlab</a:t>
             </a:r>
             <a:endParaRPr lang="en-US" dirty="0"/>
@@ -7727,13 +7544,6 @@
   <p:clrMapOvr>
     <a:masterClrMapping/>
   </p:clrMapOvr>
-  <p:timing>
-    <p:tnLst>
-      <p:par>
-        <p:cTn id="1" dur="indefinite" restart="never" nodeType="tmRoot"/>
-      </p:par>
-    </p:tnLst>
-  </p:timing>
 </p:sld>
 </file>
 
@@ -7770,10 +7580,9 @@
           <a:lstStyle/>
           <a:p>
             <a:r>
-              <a:rPr lang="en-US" dirty="0" smtClean="0"/>
+              <a:rPr lang="en-US" dirty="0"/>
               <a:t>retrospective</a:t>
             </a:r>
-            <a:endParaRPr lang="en-US" dirty="0"/>
           </a:p>
         </p:txBody>
       </p:sp>
@@ -7806,13 +7615,6 @@
   <p:clrMapOvr>
     <a:masterClrMapping/>
   </p:clrMapOvr>
-  <p:timing>
-    <p:tnLst>
-      <p:par>
-        <p:cTn id="1" dur="indefinite" restart="never" nodeType="tmRoot"/>
-      </p:par>
-    </p:tnLst>
-  </p:timing>
 </p:sld>
 </file>
 
@@ -7849,18 +7651,17 @@
           <a:lstStyle/>
           <a:p>
             <a:r>
-              <a:rPr lang="en-US" dirty="0" smtClean="0"/>
+              <a:rPr lang="en-US" dirty="0"/>
               <a:t>Linear </a:t>
             </a:r>
             <a:r>
-              <a:rPr lang="en-US" dirty="0" err="1" smtClean="0"/>
+              <a:rPr lang="en-US" dirty="0" err="1"/>
               <a:t>fm</a:t>
             </a:r>
             <a:r>
-              <a:rPr lang="en-US" dirty="0" smtClean="0"/>
+              <a:rPr lang="en-US" dirty="0"/>
               <a:t> chirp</a:t>
             </a:r>
-            <a:endParaRPr lang="en-US" dirty="0"/>
           </a:p>
         </p:txBody>
       </p:sp>
@@ -7888,40 +7689,24 @@
           <a:p>
             <a:r>
               <a:rPr lang="en-US" dirty="0"/>
-              <a:t>The IWR6843AOP </a:t>
-            </a:r>
-            <a:r>
-              <a:rPr lang="en-US" dirty="0" smtClean="0"/>
-              <a:t>uses a Frequency Modulated Continuous Wave pulse. Therefore it is important to understand what  a linear FM chirp is.</a:t>
+              <a:t>The IWR6843AOP uses a Frequency Modulated Continuous Wave pulse. Therefore it is important to understand what  a linear FM chirp is.</a:t>
             </a:r>
           </a:p>
           <a:p>
             <a:r>
               <a:rPr lang="en-US" dirty="0"/>
-              <a:t>In a linear-frequency chirp or simply linear chirp, the instantaneous frequency </a:t>
-            </a:r>
-            <a:r>
-              <a:rPr lang="en-US" dirty="0" smtClean="0"/>
-              <a:t>f(t</a:t>
-            </a:r>
+              <a:t>In a linear-frequency chirp or simply linear chirp, the instantaneous frequency f(t) varies exactly linearly with time. It is a signal in which the frequency increases up or down with time. It is commonly used in radar.</a:t>
+            </a:r>
+          </a:p>
+          <a:p>
             <a:r>
               <a:rPr lang="en-US" dirty="0"/>
-              <a:t>) varies exactly linearly with </a:t>
-            </a:r>
-            <a:r>
-              <a:rPr lang="en-US" dirty="0" smtClean="0"/>
-              <a:t>time. It is a signal in which the frequency increases up or down with time. It is commonly used in radar.</a:t>
-            </a:r>
-          </a:p>
-          <a:p>
-            <a:r>
-              <a:rPr lang="en-US" dirty="0" smtClean="0"/>
               <a:t>Mathematically it can be described as a complex exponential with quadratic phase:</a:t>
             </a:r>
           </a:p>
           <a:p>
             <a:r>
-              <a:rPr lang="en-US" dirty="0" smtClean="0"/>
+              <a:rPr lang="en-US" dirty="0"/>
               <a:t>Complex exponential  at baseband</a:t>
             </a:r>
           </a:p>
@@ -7930,7 +7715,7 @@
           </a:p>
           <a:p>
             <a:r>
-              <a:rPr lang="en-US" dirty="0" smtClean="0"/>
+              <a:rPr lang="en-US" dirty="0"/>
               <a:t>Where </a:t>
             </a:r>
           </a:p>
@@ -7938,7 +7723,7 @@
             <a:endParaRPr lang="en-US" dirty="0"/>
           </a:p>
           <a:p>
-            <a:endParaRPr lang="en-US" dirty="0" smtClean="0"/>
+            <a:endParaRPr lang="en-US" dirty="0"/>
           </a:p>
           <a:p>
             <a:endParaRPr lang="en-US" dirty="0"/>
@@ -8063,13 +7848,6 @@
   <p:clrMapOvr>
     <a:masterClrMapping/>
   </p:clrMapOvr>
-  <p:timing>
-    <p:tnLst>
-      <p:par>
-        <p:cTn id="1" dur="indefinite" restart="never" nodeType="tmRoot"/>
-      </p:par>
-    </p:tnLst>
-  </p:timing>
 </p:sld>
 </file>
 
@@ -8106,10 +7884,9 @@
           <a:lstStyle/>
           <a:p>
             <a:r>
-              <a:rPr lang="en-US" dirty="0" smtClean="0"/>
+              <a:rPr lang="en-US" dirty="0"/>
               <a:t>What is instantaneous frequency?</a:t>
             </a:r>
-            <a:endParaRPr lang="en-US" dirty="0"/>
           </a:p>
         </p:txBody>
       </p:sp>
@@ -8131,27 +7908,18 @@
           <a:lstStyle/>
           <a:p>
             <a:r>
-              <a:rPr lang="en-US" dirty="0" smtClean="0"/>
-              <a:t>The </a:t>
-            </a:r>
-            <a:r>
               <a:rPr lang="en-US" dirty="0"/>
-              <a:t>instantaneous frequency of a nonstationary signal is a time-varying parameter that relates to the average of the frequencies present in the signal as it evolves. </a:t>
-            </a:r>
-            <a:endParaRPr lang="en-US" dirty="0" smtClean="0"/>
-          </a:p>
-          <a:p>
-            <a:r>
-              <a:rPr lang="en-US" dirty="0" smtClean="0"/>
-              <a:t>Instantaneous </a:t>
-            </a:r>
+              <a:t>The instantaneous frequency of a nonstationary signal is a time-varying parameter that relates to the average of the frequencies present in the signal as it evolves. </a:t>
+            </a:r>
+          </a:p>
+          <a:p>
             <a:r>
               <a:rPr lang="en-US" dirty="0"/>
-              <a:t>frequency provides an approximation of the frequencies in the signal at a given point in time. This is important to a linear chirp because the FM pulses used in the radar system can be represented and analyzed as a time varying function.</a:t>
-            </a:r>
-          </a:p>
-          <a:p>
-            <a:endParaRPr lang="en-US" dirty="0" smtClean="0"/>
+              <a:t>Instantaneous frequency provides an approximation of the frequencies in the signal at a given point in time. This is important to a linear chirp because the FM pulses used in the radar system can be represented and analyzed as a time varying function.</a:t>
+            </a:r>
+          </a:p>
+          <a:p>
+            <a:endParaRPr lang="en-US" dirty="0"/>
           </a:p>
           <a:p>
             <a:endParaRPr lang="en-US" dirty="0"/>
@@ -8168,13 +7936,6 @@
   <p:clrMapOvr>
     <a:masterClrMapping/>
   </p:clrMapOvr>
-  <p:timing>
-    <p:tnLst>
-      <p:par>
-        <p:cTn id="1" dur="indefinite" restart="never" nodeType="tmRoot"/>
-      </p:par>
-    </p:tnLst>
-  </p:timing>
 </p:sld>
 </file>
 
@@ -8211,18 +7972,17 @@
           <a:lstStyle/>
           <a:p>
             <a:r>
-              <a:rPr lang="en-US" dirty="0" smtClean="0"/>
+              <a:rPr lang="en-US" dirty="0"/>
               <a:t>Linear </a:t>
             </a:r>
             <a:r>
-              <a:rPr lang="en-US" dirty="0" err="1" smtClean="0"/>
+              <a:rPr lang="en-US" dirty="0" err="1"/>
               <a:t>fm</a:t>
             </a:r>
             <a:r>
-              <a:rPr lang="en-US" dirty="0" smtClean="0"/>
+              <a:rPr lang="en-US" dirty="0"/>
               <a:t> chirp</a:t>
             </a:r>
-            <a:endParaRPr lang="en-US" dirty="0"/>
           </a:p>
         </p:txBody>
       </p:sp>
@@ -8252,13 +8012,13 @@
               <a:buNone/>
             </a:pPr>
             <a:r>
-              <a:rPr lang="en-US" dirty="0" smtClean="0"/>
+              <a:rPr lang="en-US" dirty="0"/>
               <a:t>Mathematical description:</a:t>
             </a:r>
           </a:p>
           <a:p>
             <a:r>
-              <a:rPr lang="en-US" dirty="0" smtClean="0"/>
+              <a:rPr lang="en-US" dirty="0"/>
               <a:t>We start with a sinusoid(cosine here) signal with amplitude A, and angular frequency w0 and initial phase fie.</a:t>
             </a:r>
           </a:p>
@@ -8266,33 +8026,21 @@
             <a:endParaRPr lang="en-US" dirty="0"/>
           </a:p>
           <a:p>
-            <a:endParaRPr lang="en-US" dirty="0" smtClean="0"/>
-          </a:p>
-          <a:p>
-            <a:r>
-              <a:rPr lang="en-US" dirty="0" smtClean="0"/>
-              <a:t>This can be written as the instantaneous phase </a:t>
-            </a:r>
-          </a:p>
-          <a:p>
-            <a:endParaRPr lang="en-US" dirty="0"/>
-          </a:p>
-          <a:p>
-            <a:r>
-              <a:rPr lang="en-US" dirty="0" smtClean="0"/>
-              <a:t>Where </a:t>
-            </a:r>
+            <a:endParaRPr lang="en-US" dirty="0"/>
+          </a:p>
+          <a:p>
             <a:r>
               <a:rPr lang="en-US" dirty="0"/>
-              <a:t>  </a:t>
-            </a:r>
-            <a:r>
-              <a:rPr lang="en-US" dirty="0" smtClean="0"/>
-              <a:t>                        is </a:t>
-            </a:r>
+              <a:t>This can be written with an instantaneous phase </a:t>
+            </a:r>
+          </a:p>
+          <a:p>
+            <a:endParaRPr lang="en-US" dirty="0"/>
+          </a:p>
+          <a:p>
             <a:r>
               <a:rPr lang="en-US" dirty="0"/>
-              <a:t>the instantaneous phase of the sinusoid and it is </a:t>
+              <a:t>Where                           is the instantaneous phase of the sinusoid and it is </a:t>
             </a:r>
             <a:r>
               <a:rPr lang="en-US" i="1" dirty="0"/>
@@ -8300,31 +8048,7 @@
             </a:r>
             <a:r>
               <a:rPr lang="en-US" dirty="0"/>
-              <a:t>. The time derivative of instantaneous phase  </a:t>
-            </a:r>
-            <a:r>
-              <a:rPr lang="en-US" dirty="0" smtClean="0"/>
-              <a:t>       is </a:t>
-            </a:r>
-            <a:r>
-              <a:rPr lang="en-US" dirty="0"/>
-              <a:t>equal to the angular frequency  </a:t>
-            </a:r>
-            <a:r>
-              <a:rPr lang="en-US" dirty="0" smtClean="0"/>
-              <a:t>     of </a:t>
-            </a:r>
-            <a:r>
-              <a:rPr lang="en-US" dirty="0"/>
-              <a:t>the sinusoid – which </a:t>
-            </a:r>
-            <a:r>
-              <a:rPr lang="en-US" dirty="0" smtClean="0"/>
-              <a:t>in this </a:t>
-            </a:r>
-            <a:r>
-              <a:rPr lang="en-US" dirty="0"/>
-              <a:t>case is a constant in the above equation.</a:t>
+              <a:t>. The time derivative of instantaneous phase         is equal to the angular frequency       of the sinusoid – which in this case is a constant in the above equation.</a:t>
             </a:r>
             <a:endParaRPr lang="en-US" b="1" dirty="0"/>
           </a:p>
@@ -8664,13 +8388,6 @@
   <p:clrMapOvr>
     <a:masterClrMapping/>
   </p:clrMapOvr>
-  <p:timing>
-    <p:tnLst>
-      <p:par>
-        <p:cTn id="1" dur="indefinite" restart="never" nodeType="tmRoot"/>
-      </p:par>
-    </p:tnLst>
-  </p:timing>
 </p:sld>
 </file>
 
@@ -8707,18 +8424,17 @@
           <a:lstStyle/>
           <a:p>
             <a:r>
-              <a:rPr lang="en-US" dirty="0" smtClean="0"/>
+              <a:rPr lang="en-US" dirty="0"/>
               <a:t>Linear </a:t>
             </a:r>
             <a:r>
-              <a:rPr lang="en-US" dirty="0" err="1" smtClean="0"/>
+              <a:rPr lang="en-US" dirty="0" err="1"/>
               <a:t>fm</a:t>
             </a:r>
             <a:r>
-              <a:rPr lang="en-US" dirty="0" smtClean="0"/>
+              <a:rPr lang="en-US" dirty="0"/>
               <a:t> chirp</a:t>
             </a:r>
-            <a:endParaRPr lang="en-US" dirty="0"/>
           </a:p>
         </p:txBody>
       </p:sp>
@@ -8746,30 +8462,17 @@
           <a:p>
             <a:r>
               <a:rPr lang="en-US" dirty="0"/>
-              <a:t>Instead of having the phase linear in time, let’s change the phase to quadratic </a:t>
-            </a:r>
-            <a:r>
-              <a:rPr lang="en-US" dirty="0" smtClean="0"/>
-              <a:t> form </a:t>
-            </a:r>
+              <a:t>Instead of having the phase linear in time, let’s change the phase to quadratic  form and thus non-linear.</a:t>
+            </a:r>
+          </a:p>
+          <a:p>
+            <a:endParaRPr lang="en-US" dirty="0"/>
+          </a:p>
+          <a:p>
             <a:r>
               <a:rPr lang="en-US" dirty="0"/>
-              <a:t>and thus non-linear.</a:t>
-            </a:r>
-          </a:p>
-          <a:p>
-            <a:endParaRPr lang="en-US" dirty="0" smtClean="0"/>
-          </a:p>
-          <a:p>
-            <a:r>
-              <a:rPr lang="en-US" dirty="0"/>
-              <a:t>for some </a:t>
-            </a:r>
-            <a:r>
-              <a:rPr lang="en-US" dirty="0" smtClean="0"/>
-              <a:t>constant</a:t>
-            </a:r>
-            <a:endParaRPr lang="en-US" dirty="0"/>
+              <a:t>for some constant</a:t>
+            </a:r>
           </a:p>
           <a:p>
             <a:r>
@@ -8783,26 +8486,14 @@
           <a:p>
             <a:r>
               <a:rPr lang="en-US" dirty="0"/>
-              <a:t>The first derivative of the phase, which is the </a:t>
-            </a:r>
-            <a:r>
-              <a:rPr lang="en-US" dirty="0" smtClean="0"/>
-              <a:t>instantaneous angular frequency </a:t>
-            </a:r>
-            <a:r>
-              <a:rPr lang="en-US" dirty="0"/>
-              <a:t>becomes a function of time, which is given </a:t>
-            </a:r>
-            <a:r>
-              <a:rPr lang="en-US" dirty="0" smtClean="0"/>
-              <a:t>by</a:t>
-            </a:r>
-          </a:p>
-          <a:p>
-            <a:endParaRPr lang="en-US" dirty="0"/>
-          </a:p>
-          <a:p>
-            <a:endParaRPr lang="en-US" dirty="0" smtClean="0"/>
+              <a:t>The first derivative of the phase, which is the instantaneous angular frequency becomes a function of time, which is given by</a:t>
+            </a:r>
+          </a:p>
+          <a:p>
+            <a:endParaRPr lang="en-US" dirty="0"/>
+          </a:p>
+          <a:p>
+            <a:endParaRPr lang="en-US" dirty="0"/>
           </a:p>
           <a:p>
             <a:r>
@@ -8817,7 +8508,6 @@
               <a:rPr lang="en-US" dirty="0"/>
               <a:t> is given by</a:t>
             </a:r>
-            <a:endParaRPr lang="en-US" dirty="0" smtClean="0"/>
           </a:p>
         </p:txBody>
       </p:sp>
@@ -9101,13 +8791,6 @@
   <p:clrMapOvr>
     <a:masterClrMapping/>
   </p:clrMapOvr>
-  <p:timing>
-    <p:tnLst>
-      <p:par>
-        <p:cTn id="1" dur="indefinite" restart="never" nodeType="tmRoot"/>
-      </p:par>
-    </p:tnLst>
-  </p:timing>
 </p:sld>
 </file>
 
@@ -9144,18 +8827,17 @@
           <a:lstStyle/>
           <a:p>
             <a:r>
-              <a:rPr lang="en-US" dirty="0" smtClean="0"/>
+              <a:rPr lang="en-US" dirty="0"/>
               <a:t>Linear </a:t>
             </a:r>
             <a:r>
-              <a:rPr lang="en-US" dirty="0" err="1" smtClean="0"/>
+              <a:rPr lang="en-US" dirty="0" err="1"/>
               <a:t>fm</a:t>
             </a:r>
             <a:r>
-              <a:rPr lang="en-US" dirty="0" smtClean="0"/>
+              <a:rPr lang="en-US" dirty="0"/>
               <a:t> chirp</a:t>
             </a:r>
-            <a:endParaRPr lang="en-US" dirty="0"/>
           </a:p>
         </p:txBody>
       </p:sp>
@@ -9183,15 +8865,7 @@
           <a:p>
             <a:r>
               <a:rPr lang="en-US" dirty="0"/>
-              <a:t>In the above equation, the frequency is no longer a constant, rather it is of time-varying nature with initial frequency given by </a:t>
-            </a:r>
-            <a:r>
-              <a:rPr lang="en-US" dirty="0" smtClean="0"/>
-              <a:t>      . </a:t>
-            </a:r>
-            <a:r>
-              <a:rPr lang="en-US" dirty="0"/>
-              <a:t>Thus, from the above equation, given a time duration </a:t>
+              <a:t>In the above equation, the frequency is no longer a constant, rather it is of time-varying nature with initial frequency given by       . Thus, from the above equation, given a time duration </a:t>
             </a:r>
             <a:r>
               <a:rPr lang="en-US" b="1" i="1" dirty="0"/>
@@ -9199,50 +8873,26 @@
             </a:r>
             <a:r>
               <a:rPr lang="en-US" dirty="0"/>
-              <a:t>, the rate of change of frequency is given </a:t>
-            </a:r>
-            <a:r>
-              <a:rPr lang="en-US" dirty="0" smtClean="0"/>
-              <a:t>by</a:t>
-            </a:r>
-          </a:p>
-          <a:p>
-            <a:endParaRPr lang="en-US" dirty="0"/>
-          </a:p>
-          <a:p>
-            <a:endParaRPr lang="en-US" dirty="0" smtClean="0"/>
-          </a:p>
-          <a:p>
-            <a:r>
-              <a:rPr lang="en-US" dirty="0" smtClean="0"/>
-              <a:t>Where,</a:t>
-            </a:r>
+              <a:t>, the rate of change of frequency is given by</a:t>
+            </a:r>
+          </a:p>
+          <a:p>
+            <a:endParaRPr lang="en-US" dirty="0"/>
+          </a:p>
+          <a:p>
+            <a:endParaRPr lang="en-US" dirty="0"/>
+          </a:p>
+          <a:p>
             <a:r>
               <a:rPr lang="en-US" dirty="0"/>
-              <a:t>  </a:t>
-            </a:r>
-            <a:r>
-              <a:rPr lang="en-US" dirty="0" smtClean="0"/>
-              <a:t>    is </a:t>
-            </a:r>
-            <a:r>
-              <a:rPr lang="en-US" dirty="0"/>
-              <a:t>the starting frequency of the sweep, </a:t>
-            </a:r>
-            <a:r>
-              <a:rPr lang="en-US" dirty="0" smtClean="0"/>
-              <a:t>and      is </a:t>
-            </a:r>
-            <a:r>
-              <a:rPr lang="en-US" dirty="0"/>
-              <a:t>the frequency at the end of the duration </a:t>
+              <a:t>Where,      is the starting frequency of the sweep, and      is the frequency at the end of the duration </a:t>
             </a:r>
             <a:r>
               <a:rPr lang="en-US" b="1" i="1" dirty="0"/>
               <a:t>T</a:t>
             </a:r>
             <a:r>
-              <a:rPr lang="en-US" dirty="0" smtClean="0"/>
+              <a:rPr lang="en-US" dirty="0"/>
               <a:t>.</a:t>
             </a:r>
           </a:p>
@@ -9269,21 +8919,17 @@
             </a:r>
             <a:r>
               <a:rPr lang="en-US" b="1" i="1" dirty="0"/>
-              <a:t>(6</a:t>
-            </a:r>
-            <a:r>
-              <a:rPr lang="en-US" b="1" i="1" dirty="0" smtClean="0"/>
-              <a:t>)</a:t>
+              <a:t>(6)</a:t>
             </a:r>
           </a:p>
           <a:p>
             <a:endParaRPr lang="en-US" b="1" i="1" dirty="0"/>
           </a:p>
           <a:p>
-            <a:endParaRPr lang="en-US" b="1" i="1" dirty="0" smtClean="0"/>
-          </a:p>
-          <a:p>
-            <a:endParaRPr lang="en-US" dirty="0" smtClean="0"/>
+            <a:endParaRPr lang="en-US" b="1" i="1" dirty="0"/>
+          </a:p>
+          <a:p>
+            <a:endParaRPr lang="en-US" dirty="0"/>
           </a:p>
         </p:txBody>
       </p:sp>
@@ -9567,13 +9213,6 @@
   <p:clrMapOvr>
     <a:masterClrMapping/>
   </p:clrMapOvr>
-  <p:timing>
-    <p:tnLst>
-      <p:par>
-        <p:cTn id="1" dur="indefinite" restart="never" nodeType="tmRoot"/>
-      </p:par>
-    </p:tnLst>
-  </p:timing>
 </p:sld>
 </file>
 
@@ -9610,18 +9249,17 @@
           <a:lstStyle/>
           <a:p>
             <a:r>
-              <a:rPr lang="en-US" dirty="0" smtClean="0"/>
+              <a:rPr lang="en-US" dirty="0"/>
               <a:t>Linear </a:t>
             </a:r>
             <a:r>
-              <a:rPr lang="en-US" dirty="0" err="1" smtClean="0"/>
+              <a:rPr lang="en-US" dirty="0" err="1"/>
               <a:t>fm</a:t>
             </a:r>
             <a:r>
-              <a:rPr lang="en-US" dirty="0" smtClean="0"/>
+              <a:rPr lang="en-US" dirty="0"/>
               <a:t> chirp</a:t>
             </a:r>
-            <a:endParaRPr lang="en-US" dirty="0"/>
           </a:p>
         </p:txBody>
       </p:sp>
@@ -9661,14 +9299,10 @@
             </a:r>
             <a:r>
               <a:rPr lang="en-US" b="1" i="1" dirty="0"/>
-              <a:t>(8</a:t>
-            </a:r>
-            <a:r>
-              <a:rPr lang="en-US" b="1" i="1" dirty="0" smtClean="0"/>
-              <a:t>) </a:t>
-            </a:r>
-            <a:r>
-              <a:rPr lang="en-US" i="1" dirty="0" smtClean="0"/>
+              <a:t>(8) </a:t>
+            </a:r>
+            <a:r>
+              <a:rPr lang="en-US" i="1" dirty="0"/>
               <a:t>we can integrate the instantaneous angular frequency.</a:t>
             </a:r>
           </a:p>
@@ -9676,39 +9310,23 @@
             <a:endParaRPr lang="en-US" b="1" i="1" dirty="0"/>
           </a:p>
           <a:p>
-            <a:endParaRPr lang="en-US" b="1" i="1" dirty="0" smtClean="0"/>
-          </a:p>
-          <a:p>
             <a:endParaRPr lang="en-US" b="1" i="1" dirty="0"/>
           </a:p>
           <a:p>
-            <a:endParaRPr lang="en-US" b="1" i="1" dirty="0" smtClean="0"/>
-          </a:p>
-          <a:p>
             <a:endParaRPr lang="en-US" b="1" i="1" dirty="0"/>
           </a:p>
           <a:p>
+            <a:endParaRPr lang="en-US" b="1" i="1" dirty="0"/>
+          </a:p>
+          <a:p>
+            <a:endParaRPr lang="en-US" b="1" i="1" dirty="0"/>
+          </a:p>
+          <a:p>
             <a:r>
               <a:rPr lang="en-US" dirty="0"/>
-              <a:t>where </a:t>
-            </a:r>
-            <a:r>
-              <a:rPr lang="en-US" dirty="0" smtClean="0"/>
-              <a:t>  </a:t>
-            </a:r>
-            <a:r>
-              <a:rPr lang="en-US" dirty="0"/>
-              <a:t> </a:t>
-            </a:r>
-            <a:r>
-              <a:rPr lang="en-US" dirty="0" smtClean="0"/>
-              <a:t>     is </a:t>
-            </a:r>
-            <a:r>
-              <a:rPr lang="en-US" dirty="0"/>
-              <a:t>a constant which will act as the initial phase of the sweep.</a:t>
-            </a:r>
-            <a:endParaRPr lang="en-US" b="1" i="1" dirty="0" smtClean="0"/>
+              <a:t>where         is a constant which will act as the initial phase of the sweep.</a:t>
+            </a:r>
+            <a:endParaRPr lang="en-US" b="1" i="1" dirty="0"/>
           </a:p>
           <a:p>
             <a:r>
@@ -9729,32 +9347,20 @@
             </a:r>
             <a:r>
               <a:rPr lang="en-US" dirty="0"/>
-              <a:t>) is given </a:t>
-            </a:r>
-            <a:r>
-              <a:rPr lang="en-US" dirty="0" smtClean="0"/>
-              <a:t>by</a:t>
-            </a:r>
-          </a:p>
-          <a:p>
-            <a:endParaRPr lang="en-US" dirty="0"/>
-          </a:p>
-          <a:p>
-            <a:r>
-              <a:rPr lang="en-US" dirty="0" smtClean="0"/>
-              <a:t>where </a:t>
-            </a:r>
+              <a:t>) is given by</a:t>
+            </a:r>
+          </a:p>
+          <a:p>
+            <a:endParaRPr lang="en-US" dirty="0"/>
+          </a:p>
+          <a:p>
             <a:r>
               <a:rPr lang="en-US" dirty="0"/>
-              <a:t>the time-varying frequency function is given </a:t>
-            </a:r>
-            <a:r>
-              <a:rPr lang="en-US" dirty="0" smtClean="0"/>
-              <a:t>by</a:t>
-            </a:r>
-          </a:p>
-          <a:p>
-            <a:endParaRPr lang="en-US" dirty="0" smtClean="0"/>
+              <a:t>where the time-varying frequency function is given by</a:t>
+            </a:r>
+          </a:p>
+          <a:p>
+            <a:endParaRPr lang="en-US" dirty="0"/>
           </a:p>
         </p:txBody>
       </p:sp>
@@ -9984,13 +9590,6 @@
   <p:clrMapOvr>
     <a:masterClrMapping/>
   </p:clrMapOvr>
-  <p:timing>
-    <p:tnLst>
-      <p:par>
-        <p:cTn id="1" dur="indefinite" restart="never" nodeType="tmRoot"/>
-      </p:par>
-    </p:tnLst>
-  </p:timing>
 </p:sld>
 </file>
 
@@ -10027,10 +9626,9 @@
           <a:lstStyle/>
           <a:p>
             <a:r>
-              <a:rPr lang="en-US" dirty="0" smtClean="0"/>
+              <a:rPr lang="en-US" dirty="0"/>
               <a:t>Spectrogram plot of a chirp complex signal</a:t>
             </a:r>
-            <a:endParaRPr lang="en-US" dirty="0"/>
           </a:p>
         </p:txBody>
       </p:sp>
@@ -10051,65 +9649,29 @@
           <a:p>
             <a:r>
               <a:rPr lang="en-US" dirty="0"/>
-              <a:t>The chirp is sampled at </a:t>
-            </a:r>
-            <a:r>
-              <a:rPr lang="en-US" dirty="0" smtClean="0"/>
-              <a:t>10 </a:t>
-            </a:r>
-            <a:r>
-              <a:rPr lang="en-US" dirty="0"/>
-              <a:t>kHz for </a:t>
-            </a:r>
-            <a:r>
-              <a:rPr lang="en-US" dirty="0" smtClean="0"/>
-              <a:t>2seconds</a:t>
-            </a:r>
-            <a:r>
-              <a:rPr lang="en-US" dirty="0"/>
-              <a:t>. The instantaneous frequency is 0 at t = 0 and crosses </a:t>
-            </a:r>
-            <a:r>
-              <a:rPr lang="en-US" dirty="0" smtClean="0"/>
-              <a:t>5 </a:t>
-            </a:r>
-            <a:r>
-              <a:rPr lang="en-US" dirty="0"/>
-              <a:t>K</a:t>
-            </a:r>
-            <a:r>
-              <a:rPr lang="en-US" dirty="0" smtClean="0"/>
-              <a:t>Hz </a:t>
-            </a:r>
-            <a:r>
-              <a:rPr lang="en-US" dirty="0"/>
-              <a:t>at t = </a:t>
-            </a:r>
-            <a:r>
-              <a:rPr lang="en-US" dirty="0" smtClean="0"/>
-              <a:t>0.5 seconds. The spectrogram plot shows the complex signal</a:t>
-            </a:r>
-          </a:p>
-          <a:p>
-            <a:endParaRPr lang="en-US" dirty="0" smtClean="0"/>
-          </a:p>
-          <a:p>
-            <a:endParaRPr lang="en-US" dirty="0"/>
-          </a:p>
-          <a:p>
-            <a:endParaRPr lang="en-US" dirty="0" smtClean="0"/>
-          </a:p>
-          <a:p>
-            <a:endParaRPr lang="en-US" dirty="0"/>
-          </a:p>
-          <a:p>
-            <a:endParaRPr lang="en-US" dirty="0" smtClean="0"/>
-          </a:p>
-          <a:p>
-            <a:endParaRPr lang="en-US" dirty="0"/>
-          </a:p>
-          <a:p>
-            <a:endParaRPr lang="en-US" dirty="0" smtClean="0"/>
+              <a:t>The chirp is sampled at 10 kHz for 2seconds. The instantaneous frequency is 0 at t = 0 and crosses 5 KHz at t = 0.5 seconds. The spectrogram plot shows the complex signal</a:t>
+            </a:r>
+          </a:p>
+          <a:p>
+            <a:endParaRPr lang="en-US" dirty="0"/>
+          </a:p>
+          <a:p>
+            <a:endParaRPr lang="en-US" dirty="0"/>
+          </a:p>
+          <a:p>
+            <a:endParaRPr lang="en-US" dirty="0"/>
+          </a:p>
+          <a:p>
+            <a:endParaRPr lang="en-US" dirty="0"/>
+          </a:p>
+          <a:p>
+            <a:endParaRPr lang="en-US" dirty="0"/>
+          </a:p>
+          <a:p>
+            <a:endParaRPr lang="en-US" dirty="0"/>
+          </a:p>
+          <a:p>
+            <a:endParaRPr lang="en-US" dirty="0"/>
           </a:p>
           <a:p>
             <a:endParaRPr lang="en-US" dirty="0"/>
@@ -10180,13 +9742,6 @@
   <p:clrMapOvr>
     <a:masterClrMapping/>
   </p:clrMapOvr>
-  <p:timing>
-    <p:tnLst>
-      <p:par>
-        <p:cTn id="1" dur="indefinite" restart="never" nodeType="tmRoot"/>
-      </p:par>
-    </p:tnLst>
-  </p:timing>
 </p:sld>
 </file>
 
@@ -10433,7 +9988,7 @@
   <a:extraClrSchemeLst/>
   <a:extLst>
     <a:ext uri="{05A4C25C-085E-4340-85A3-A5531E510DB2}">
-      <thm15:themeFamily xmlns="" xmlns:thm15="http://schemas.microsoft.com/office/thememl/2012/main" name="Celestial" id="{C4BB2A3D-0E93-4C5F-B0D2-9D3FCE089CC5}" vid="{42E5908D-19A2-46FD-89FA-638B126129EF}"/>
+      <thm15:themeFamily xmlns:thm15="http://schemas.microsoft.com/office/thememl/2012/main" name="Celestial" id="{C4BB2A3D-0E93-4C5F-B0D2-9D3FCE089CC5}" vid="{42E5908D-19A2-46FD-89FA-638B126129EF}"/>
     </a:ext>
   </a:extLst>
 </a:theme>
